--- a/Workshop_Printouts_Complete.pptx
+++ b/Workshop_Printouts_Complete.pptx
@@ -312,7 +312,7 @@
           <a:p>
             <a:fld id="{487569CC-461E-5A44-97F7-7B08F86B5544}" type="datetimeFigureOut">
               <a:rPr lang="en-US" smtClean="0"/>
-              <a:t>1/29/23</a:t>
+              <a:t>2/13/23</a:t>
             </a:fld>
             <a:endParaRPr lang="en-US"/>
           </a:p>
@@ -482,7 +482,7 @@
           <a:p>
             <a:fld id="{487569CC-461E-5A44-97F7-7B08F86B5544}" type="datetimeFigureOut">
               <a:rPr lang="en-US" smtClean="0"/>
-              <a:t>1/29/23</a:t>
+              <a:t>2/13/23</a:t>
             </a:fld>
             <a:endParaRPr lang="en-US"/>
           </a:p>
@@ -662,7 +662,7 @@
           <a:p>
             <a:fld id="{487569CC-461E-5A44-97F7-7B08F86B5544}" type="datetimeFigureOut">
               <a:rPr lang="en-US" smtClean="0"/>
-              <a:t>1/29/23</a:t>
+              <a:t>2/13/23</a:t>
             </a:fld>
             <a:endParaRPr lang="en-US"/>
           </a:p>
@@ -832,7 +832,7 @@
           <a:p>
             <a:fld id="{487569CC-461E-5A44-97F7-7B08F86B5544}" type="datetimeFigureOut">
               <a:rPr lang="en-US" smtClean="0"/>
-              <a:t>1/29/23</a:t>
+              <a:t>2/13/23</a:t>
             </a:fld>
             <a:endParaRPr lang="en-US"/>
           </a:p>
@@ -1078,7 +1078,7 @@
           <a:p>
             <a:fld id="{487569CC-461E-5A44-97F7-7B08F86B5544}" type="datetimeFigureOut">
               <a:rPr lang="en-US" smtClean="0"/>
-              <a:t>1/29/23</a:t>
+              <a:t>2/13/23</a:t>
             </a:fld>
             <a:endParaRPr lang="en-US"/>
           </a:p>
@@ -1366,7 +1366,7 @@
           <a:p>
             <a:fld id="{487569CC-461E-5A44-97F7-7B08F86B5544}" type="datetimeFigureOut">
               <a:rPr lang="en-US" smtClean="0"/>
-              <a:t>1/29/23</a:t>
+              <a:t>2/13/23</a:t>
             </a:fld>
             <a:endParaRPr lang="en-US"/>
           </a:p>
@@ -1788,7 +1788,7 @@
           <a:p>
             <a:fld id="{487569CC-461E-5A44-97F7-7B08F86B5544}" type="datetimeFigureOut">
               <a:rPr lang="en-US" smtClean="0"/>
-              <a:t>1/29/23</a:t>
+              <a:t>2/13/23</a:t>
             </a:fld>
             <a:endParaRPr lang="en-US"/>
           </a:p>
@@ -1906,7 +1906,7 @@
           <a:p>
             <a:fld id="{487569CC-461E-5A44-97F7-7B08F86B5544}" type="datetimeFigureOut">
               <a:rPr lang="en-US" smtClean="0"/>
-              <a:t>1/29/23</a:t>
+              <a:t>2/13/23</a:t>
             </a:fld>
             <a:endParaRPr lang="en-US"/>
           </a:p>
@@ -2001,7 +2001,7 @@
           <a:p>
             <a:fld id="{487569CC-461E-5A44-97F7-7B08F86B5544}" type="datetimeFigureOut">
               <a:rPr lang="en-US" smtClean="0"/>
-              <a:t>1/29/23</a:t>
+              <a:t>2/13/23</a:t>
             </a:fld>
             <a:endParaRPr lang="en-US"/>
           </a:p>
@@ -2278,7 +2278,7 @@
           <a:p>
             <a:fld id="{487569CC-461E-5A44-97F7-7B08F86B5544}" type="datetimeFigureOut">
               <a:rPr lang="en-US" smtClean="0"/>
-              <a:t>1/29/23</a:t>
+              <a:t>2/13/23</a:t>
             </a:fld>
             <a:endParaRPr lang="en-US"/>
           </a:p>
@@ -2531,7 +2531,7 @@
           <a:p>
             <a:fld id="{487569CC-461E-5A44-97F7-7B08F86B5544}" type="datetimeFigureOut">
               <a:rPr lang="en-US" smtClean="0"/>
-              <a:t>1/29/23</a:t>
+              <a:t>2/13/23</a:t>
             </a:fld>
             <a:endParaRPr lang="en-US"/>
           </a:p>
@@ -2744,7 +2744,7 @@
           <a:p>
             <a:fld id="{487569CC-461E-5A44-97F7-7B08F86B5544}" type="datetimeFigureOut">
               <a:rPr lang="en-US" smtClean="0"/>
-              <a:t>1/29/23</a:t>
+              <a:t>2/13/23</a:t>
             </a:fld>
             <a:endParaRPr lang="en-US"/>
           </a:p>
@@ -3119,6 +3119,56 @@
           <a:chExt cx="0" cy="0"/>
         </a:xfrm>
       </p:grpSpPr>
+      <p:sp>
+        <p:nvSpPr>
+          <p:cNvPr id="4" name="Rectangle 3">
+            <a:extLst>
+              <a:ext uri="{FF2B5EF4-FFF2-40B4-BE49-F238E27FC236}">
+                <a16:creationId xmlns:a16="http://schemas.microsoft.com/office/drawing/2014/main" id="{B975CEAA-497A-61EC-2B7C-477414F30A9F}"/>
+              </a:ext>
+            </a:extLst>
+          </p:cNvPr>
+          <p:cNvSpPr/>
+          <p:nvPr/>
+        </p:nvSpPr>
+        <p:spPr>
+          <a:xfrm>
+            <a:off x="0" y="0"/>
+            <a:ext cx="6858000" cy="9144000"/>
+          </a:xfrm>
+          <a:prstGeom prst="rect">
+            <a:avLst/>
+          </a:prstGeom>
+          <a:solidFill>
+            <a:schemeClr val="bg1"/>
+          </a:solidFill>
+          <a:ln>
+            <a:noFill/>
+          </a:ln>
+        </p:spPr>
+        <p:style>
+          <a:lnRef idx="1">
+            <a:schemeClr val="accent1"/>
+          </a:lnRef>
+          <a:fillRef idx="3">
+            <a:schemeClr val="accent1"/>
+          </a:fillRef>
+          <a:effectRef idx="2">
+            <a:schemeClr val="accent1"/>
+          </a:effectRef>
+          <a:fontRef idx="minor">
+            <a:schemeClr val="lt1"/>
+          </a:fontRef>
+        </p:style>
+        <p:txBody>
+          <a:bodyPr rtlCol="0" anchor="ctr"/>
+          <a:lstStyle/>
+          <a:p>
+            <a:pPr algn="ctr"/>
+            <a:endParaRPr lang="en-US"/>
+          </a:p>
+        </p:txBody>
+      </p:sp>
       <p:pic>
         <p:nvPicPr>
           <p:cNvPr id="2" name="Picture 1" descr="Duplication 25.png"/>
@@ -3219,6 +3269,56 @@
           <a:chExt cx="0" cy="0"/>
         </a:xfrm>
       </p:grpSpPr>
+      <p:sp>
+        <p:nvSpPr>
+          <p:cNvPr id="4" name="Rectangle 3">
+            <a:extLst>
+              <a:ext uri="{FF2B5EF4-FFF2-40B4-BE49-F238E27FC236}">
+                <a16:creationId xmlns:a16="http://schemas.microsoft.com/office/drawing/2014/main" id="{1E92FBF8-4955-F7D5-3856-B8F1B991579F}"/>
+              </a:ext>
+            </a:extLst>
+          </p:cNvPr>
+          <p:cNvSpPr/>
+          <p:nvPr/>
+        </p:nvSpPr>
+        <p:spPr>
+          <a:xfrm>
+            <a:off x="0" y="0"/>
+            <a:ext cx="6858000" cy="9144000"/>
+          </a:xfrm>
+          <a:prstGeom prst="rect">
+            <a:avLst/>
+          </a:prstGeom>
+          <a:solidFill>
+            <a:schemeClr val="bg1"/>
+          </a:solidFill>
+          <a:ln>
+            <a:noFill/>
+          </a:ln>
+        </p:spPr>
+        <p:style>
+          <a:lnRef idx="1">
+            <a:schemeClr val="accent1"/>
+          </a:lnRef>
+          <a:fillRef idx="3">
+            <a:schemeClr val="accent1"/>
+          </a:fillRef>
+          <a:effectRef idx="2">
+            <a:schemeClr val="accent1"/>
+          </a:effectRef>
+          <a:fontRef idx="minor">
+            <a:schemeClr val="lt1"/>
+          </a:fontRef>
+        </p:style>
+        <p:txBody>
+          <a:bodyPr rtlCol="0" anchor="ctr"/>
+          <a:lstStyle/>
+          <a:p>
+            <a:pPr algn="ctr"/>
+            <a:endParaRPr lang="en-US"/>
+          </a:p>
+        </p:txBody>
+      </p:sp>
       <p:pic>
         <p:nvPicPr>
           <p:cNvPr id="2" name="Picture 1" descr="Duplication 26.png"/>
@@ -3319,6 +3419,106 @@
           <a:chExt cx="0" cy="0"/>
         </a:xfrm>
       </p:grpSpPr>
+      <p:sp>
+        <p:nvSpPr>
+          <p:cNvPr id="2" name="Rectangle 1">
+            <a:extLst>
+              <a:ext uri="{FF2B5EF4-FFF2-40B4-BE49-F238E27FC236}">
+                <a16:creationId xmlns:a16="http://schemas.microsoft.com/office/drawing/2014/main" id="{4B9A3F26-16E3-F5F1-F06F-085642F6B998}"/>
+              </a:ext>
+            </a:extLst>
+          </p:cNvPr>
+          <p:cNvSpPr/>
+          <p:nvPr/>
+        </p:nvSpPr>
+        <p:spPr>
+          <a:xfrm>
+            <a:off x="0" y="0"/>
+            <a:ext cx="6858000" cy="9144000"/>
+          </a:xfrm>
+          <a:prstGeom prst="rect">
+            <a:avLst/>
+          </a:prstGeom>
+          <a:solidFill>
+            <a:schemeClr val="bg1"/>
+          </a:solidFill>
+          <a:ln>
+            <a:noFill/>
+          </a:ln>
+        </p:spPr>
+        <p:style>
+          <a:lnRef idx="1">
+            <a:schemeClr val="accent1"/>
+          </a:lnRef>
+          <a:fillRef idx="3">
+            <a:schemeClr val="accent1"/>
+          </a:fillRef>
+          <a:effectRef idx="2">
+            <a:schemeClr val="accent1"/>
+          </a:effectRef>
+          <a:fontRef idx="minor">
+            <a:schemeClr val="lt1"/>
+          </a:fontRef>
+        </p:style>
+        <p:txBody>
+          <a:bodyPr rtlCol="0" anchor="ctr"/>
+          <a:lstStyle/>
+          <a:p>
+            <a:pPr algn="ctr"/>
+            <a:endParaRPr lang="en-US"/>
+          </a:p>
+        </p:txBody>
+      </p:sp>
+      <p:sp>
+        <p:nvSpPr>
+          <p:cNvPr id="5" name="Rectangle 4">
+            <a:extLst>
+              <a:ext uri="{FF2B5EF4-FFF2-40B4-BE49-F238E27FC236}">
+                <a16:creationId xmlns:a16="http://schemas.microsoft.com/office/drawing/2014/main" id="{7C6C8E2B-E253-32AB-BCF7-2C2628A8D81D}"/>
+              </a:ext>
+            </a:extLst>
+          </p:cNvPr>
+          <p:cNvSpPr/>
+          <p:nvPr/>
+        </p:nvSpPr>
+        <p:spPr>
+          <a:xfrm>
+            <a:off x="0" y="35050"/>
+            <a:ext cx="6858000" cy="9144000"/>
+          </a:xfrm>
+          <a:prstGeom prst="rect">
+            <a:avLst/>
+          </a:prstGeom>
+          <a:solidFill>
+            <a:schemeClr val="bg1"/>
+          </a:solidFill>
+          <a:ln>
+            <a:noFill/>
+          </a:ln>
+        </p:spPr>
+        <p:style>
+          <a:lnRef idx="1">
+            <a:schemeClr val="accent1"/>
+          </a:lnRef>
+          <a:fillRef idx="3">
+            <a:schemeClr val="accent1"/>
+          </a:fillRef>
+          <a:effectRef idx="2">
+            <a:schemeClr val="accent1"/>
+          </a:effectRef>
+          <a:fontRef idx="minor">
+            <a:schemeClr val="lt1"/>
+          </a:fontRef>
+        </p:style>
+        <p:txBody>
+          <a:bodyPr rtlCol="0" anchor="ctr"/>
+          <a:lstStyle/>
+          <a:p>
+            <a:pPr algn="ctr"/>
+            <a:endParaRPr lang="en-US"/>
+          </a:p>
+        </p:txBody>
+      </p:sp>
       <p:pic>
         <p:nvPicPr>
           <p:cNvPr id="3" name="Picture 2" descr="Duplication 23.png"/>
@@ -3419,6 +3619,56 @@
           <a:chExt cx="0" cy="0"/>
         </a:xfrm>
       </p:grpSpPr>
+      <p:sp>
+        <p:nvSpPr>
+          <p:cNvPr id="4" name="Rectangle 3">
+            <a:extLst>
+              <a:ext uri="{FF2B5EF4-FFF2-40B4-BE49-F238E27FC236}">
+                <a16:creationId xmlns:a16="http://schemas.microsoft.com/office/drawing/2014/main" id="{F7F92622-FDAE-06B2-261F-259D9FC700F8}"/>
+              </a:ext>
+            </a:extLst>
+          </p:cNvPr>
+          <p:cNvSpPr/>
+          <p:nvPr/>
+        </p:nvSpPr>
+        <p:spPr>
+          <a:xfrm>
+            <a:off x="0" y="0"/>
+            <a:ext cx="6858000" cy="9144000"/>
+          </a:xfrm>
+          <a:prstGeom prst="rect">
+            <a:avLst/>
+          </a:prstGeom>
+          <a:solidFill>
+            <a:schemeClr val="bg1"/>
+          </a:solidFill>
+          <a:ln>
+            <a:noFill/>
+          </a:ln>
+        </p:spPr>
+        <p:style>
+          <a:lnRef idx="1">
+            <a:schemeClr val="accent1"/>
+          </a:lnRef>
+          <a:fillRef idx="3">
+            <a:schemeClr val="accent1"/>
+          </a:fillRef>
+          <a:effectRef idx="2">
+            <a:schemeClr val="accent1"/>
+          </a:effectRef>
+          <a:fontRef idx="minor">
+            <a:schemeClr val="lt1"/>
+          </a:fontRef>
+        </p:style>
+        <p:txBody>
+          <a:bodyPr rtlCol="0" anchor="ctr"/>
+          <a:lstStyle/>
+          <a:p>
+            <a:pPr algn="ctr"/>
+            <a:endParaRPr lang="en-US"/>
+          </a:p>
+        </p:txBody>
+      </p:sp>
       <p:pic>
         <p:nvPicPr>
           <p:cNvPr id="2" name="Picture 1" descr="Duplication 15.png"/>
@@ -3519,6 +3769,56 @@
           <a:chExt cx="0" cy="0"/>
         </a:xfrm>
       </p:grpSpPr>
+      <p:sp>
+        <p:nvSpPr>
+          <p:cNvPr id="4" name="Rectangle 3">
+            <a:extLst>
+              <a:ext uri="{FF2B5EF4-FFF2-40B4-BE49-F238E27FC236}">
+                <a16:creationId xmlns:a16="http://schemas.microsoft.com/office/drawing/2014/main" id="{072A6C07-1D21-764B-2FD2-25E35E045D67}"/>
+              </a:ext>
+            </a:extLst>
+          </p:cNvPr>
+          <p:cNvSpPr/>
+          <p:nvPr/>
+        </p:nvSpPr>
+        <p:spPr>
+          <a:xfrm>
+            <a:off x="0" y="0"/>
+            <a:ext cx="6858000" cy="9144000"/>
+          </a:xfrm>
+          <a:prstGeom prst="rect">
+            <a:avLst/>
+          </a:prstGeom>
+          <a:solidFill>
+            <a:schemeClr val="bg1"/>
+          </a:solidFill>
+          <a:ln>
+            <a:noFill/>
+          </a:ln>
+        </p:spPr>
+        <p:style>
+          <a:lnRef idx="1">
+            <a:schemeClr val="accent1"/>
+          </a:lnRef>
+          <a:fillRef idx="3">
+            <a:schemeClr val="accent1"/>
+          </a:fillRef>
+          <a:effectRef idx="2">
+            <a:schemeClr val="accent1"/>
+          </a:effectRef>
+          <a:fontRef idx="minor">
+            <a:schemeClr val="lt1"/>
+          </a:fontRef>
+        </p:style>
+        <p:txBody>
+          <a:bodyPr rtlCol="0" anchor="ctr"/>
+          <a:lstStyle/>
+          <a:p>
+            <a:pPr algn="ctr"/>
+            <a:endParaRPr lang="en-US"/>
+          </a:p>
+        </p:txBody>
+      </p:sp>
       <p:pic>
         <p:nvPicPr>
           <p:cNvPr id="3" name="Picture 2" descr="A screenshot of a cell phone&#10;&#10;Description automatically generated">
@@ -3618,6 +3918,56 @@
           <a:chExt cx="0" cy="0"/>
         </a:xfrm>
       </p:grpSpPr>
+      <p:sp>
+        <p:nvSpPr>
+          <p:cNvPr id="4" name="Rectangle 3">
+            <a:extLst>
+              <a:ext uri="{FF2B5EF4-FFF2-40B4-BE49-F238E27FC236}">
+                <a16:creationId xmlns:a16="http://schemas.microsoft.com/office/drawing/2014/main" id="{3D1678C8-286F-9715-5364-F16CD519C596}"/>
+              </a:ext>
+            </a:extLst>
+          </p:cNvPr>
+          <p:cNvSpPr/>
+          <p:nvPr/>
+        </p:nvSpPr>
+        <p:spPr>
+          <a:xfrm>
+            <a:off x="0" y="0"/>
+            <a:ext cx="6858000" cy="9144000"/>
+          </a:xfrm>
+          <a:prstGeom prst="rect">
+            <a:avLst/>
+          </a:prstGeom>
+          <a:solidFill>
+            <a:schemeClr val="bg1"/>
+          </a:solidFill>
+          <a:ln>
+            <a:noFill/>
+          </a:ln>
+        </p:spPr>
+        <p:style>
+          <a:lnRef idx="1">
+            <a:schemeClr val="accent1"/>
+          </a:lnRef>
+          <a:fillRef idx="3">
+            <a:schemeClr val="accent1"/>
+          </a:fillRef>
+          <a:effectRef idx="2">
+            <a:schemeClr val="accent1"/>
+          </a:effectRef>
+          <a:fontRef idx="minor">
+            <a:schemeClr val="lt1"/>
+          </a:fontRef>
+        </p:style>
+        <p:txBody>
+          <a:bodyPr rtlCol="0" anchor="ctr"/>
+          <a:lstStyle/>
+          <a:p>
+            <a:pPr algn="ctr"/>
+            <a:endParaRPr lang="en-US"/>
+          </a:p>
+        </p:txBody>
+      </p:sp>
       <p:pic>
         <p:nvPicPr>
           <p:cNvPr id="3" name="Picture 2" descr="A screenshot of a cell phone&#10;&#10;Description automatically generated">
@@ -3718,6 +4068,56 @@
           <a:chExt cx="0" cy="0"/>
         </a:xfrm>
       </p:grpSpPr>
+      <p:sp>
+        <p:nvSpPr>
+          <p:cNvPr id="4" name="Rectangle 3">
+            <a:extLst>
+              <a:ext uri="{FF2B5EF4-FFF2-40B4-BE49-F238E27FC236}">
+                <a16:creationId xmlns:a16="http://schemas.microsoft.com/office/drawing/2014/main" id="{07FD3E5D-C78A-4E2D-1580-9B28FDC95DB1}"/>
+              </a:ext>
+            </a:extLst>
+          </p:cNvPr>
+          <p:cNvSpPr/>
+          <p:nvPr/>
+        </p:nvSpPr>
+        <p:spPr>
+          <a:xfrm>
+            <a:off x="0" y="0"/>
+            <a:ext cx="6858000" cy="9144000"/>
+          </a:xfrm>
+          <a:prstGeom prst="rect">
+            <a:avLst/>
+          </a:prstGeom>
+          <a:solidFill>
+            <a:schemeClr val="bg1"/>
+          </a:solidFill>
+          <a:ln>
+            <a:noFill/>
+          </a:ln>
+        </p:spPr>
+        <p:style>
+          <a:lnRef idx="1">
+            <a:schemeClr val="accent1"/>
+          </a:lnRef>
+          <a:fillRef idx="3">
+            <a:schemeClr val="accent1"/>
+          </a:fillRef>
+          <a:effectRef idx="2">
+            <a:schemeClr val="accent1"/>
+          </a:effectRef>
+          <a:fontRef idx="minor">
+            <a:schemeClr val="lt1"/>
+          </a:fontRef>
+        </p:style>
+        <p:txBody>
+          <a:bodyPr rtlCol="0" anchor="ctr"/>
+          <a:lstStyle/>
+          <a:p>
+            <a:pPr algn="ctr"/>
+            <a:endParaRPr lang="en-US"/>
+          </a:p>
+        </p:txBody>
+      </p:sp>
       <p:pic>
         <p:nvPicPr>
           <p:cNvPr id="3" name="Picture 2" descr="A screenshot of a cell phone&#10;&#10;Description automatically generated">
@@ -3818,6 +4218,56 @@
           <a:chExt cx="0" cy="0"/>
         </a:xfrm>
       </p:grpSpPr>
+      <p:sp>
+        <p:nvSpPr>
+          <p:cNvPr id="4" name="Rectangle 3">
+            <a:extLst>
+              <a:ext uri="{FF2B5EF4-FFF2-40B4-BE49-F238E27FC236}">
+                <a16:creationId xmlns:a16="http://schemas.microsoft.com/office/drawing/2014/main" id="{49B33995-2C5C-BB9C-3292-3C83DFBB5327}"/>
+              </a:ext>
+            </a:extLst>
+          </p:cNvPr>
+          <p:cNvSpPr/>
+          <p:nvPr/>
+        </p:nvSpPr>
+        <p:spPr>
+          <a:xfrm>
+            <a:off x="0" y="0"/>
+            <a:ext cx="6858000" cy="9144000"/>
+          </a:xfrm>
+          <a:prstGeom prst="rect">
+            <a:avLst/>
+          </a:prstGeom>
+          <a:solidFill>
+            <a:schemeClr val="bg1"/>
+          </a:solidFill>
+          <a:ln>
+            <a:noFill/>
+          </a:ln>
+        </p:spPr>
+        <p:style>
+          <a:lnRef idx="1">
+            <a:schemeClr val="accent1"/>
+          </a:lnRef>
+          <a:fillRef idx="3">
+            <a:schemeClr val="accent1"/>
+          </a:fillRef>
+          <a:effectRef idx="2">
+            <a:schemeClr val="accent1"/>
+          </a:effectRef>
+          <a:fontRef idx="minor">
+            <a:schemeClr val="lt1"/>
+          </a:fontRef>
+        </p:style>
+        <p:txBody>
+          <a:bodyPr rtlCol="0" anchor="ctr"/>
+          <a:lstStyle/>
+          <a:p>
+            <a:pPr algn="ctr"/>
+            <a:endParaRPr lang="en-US"/>
+          </a:p>
+        </p:txBody>
+      </p:sp>
       <p:pic>
         <p:nvPicPr>
           <p:cNvPr id="3" name="Picture 2" descr="A screenshot of a cell phone&#10;&#10;Description automatically generated">
@@ -3918,6 +4368,56 @@
           <a:chExt cx="0" cy="0"/>
         </a:xfrm>
       </p:grpSpPr>
+      <p:sp>
+        <p:nvSpPr>
+          <p:cNvPr id="4" name="Rectangle 3">
+            <a:extLst>
+              <a:ext uri="{FF2B5EF4-FFF2-40B4-BE49-F238E27FC236}">
+                <a16:creationId xmlns:a16="http://schemas.microsoft.com/office/drawing/2014/main" id="{3252B45D-DB95-69A8-2ADF-11FB1284BCE7}"/>
+              </a:ext>
+            </a:extLst>
+          </p:cNvPr>
+          <p:cNvSpPr/>
+          <p:nvPr/>
+        </p:nvSpPr>
+        <p:spPr>
+          <a:xfrm>
+            <a:off x="0" y="0"/>
+            <a:ext cx="6858000" cy="9144000"/>
+          </a:xfrm>
+          <a:prstGeom prst="rect">
+            <a:avLst/>
+          </a:prstGeom>
+          <a:solidFill>
+            <a:schemeClr val="bg1"/>
+          </a:solidFill>
+          <a:ln>
+            <a:noFill/>
+          </a:ln>
+        </p:spPr>
+        <p:style>
+          <a:lnRef idx="1">
+            <a:schemeClr val="accent1"/>
+          </a:lnRef>
+          <a:fillRef idx="3">
+            <a:schemeClr val="accent1"/>
+          </a:fillRef>
+          <a:effectRef idx="2">
+            <a:schemeClr val="accent1"/>
+          </a:effectRef>
+          <a:fontRef idx="minor">
+            <a:schemeClr val="lt1"/>
+          </a:fontRef>
+        </p:style>
+        <p:txBody>
+          <a:bodyPr rtlCol="0" anchor="ctr"/>
+          <a:lstStyle/>
+          <a:p>
+            <a:pPr algn="ctr"/>
+            <a:endParaRPr lang="en-US"/>
+          </a:p>
+        </p:txBody>
+      </p:sp>
       <p:pic>
         <p:nvPicPr>
           <p:cNvPr id="3" name="Picture 2" descr="A screenshot of a social media post&#10;&#10;Description automatically generated">
